--- a/Bases de Datos y Documentación/tabla Efi Market.pptx
+++ b/Bases de Datos y Documentación/tabla Efi Market.pptx
@@ -269,7 +269,7 @@
           <a:p>
             <a:fld id="{C19E4D85-2A27-41F7-B679-E0447CAF8200}" type="datetimeFigureOut">
               <a:rPr lang="en-US" smtClean="0"/>
-              <a:t>5/16/2024</a:t>
+              <a:t>7/9/2024</a:t>
             </a:fld>
             <a:endParaRPr lang="en-US"/>
           </a:p>
@@ -439,7 +439,7 @@
           <a:p>
             <a:fld id="{C19E4D85-2A27-41F7-B679-E0447CAF8200}" type="datetimeFigureOut">
               <a:rPr lang="en-US" smtClean="0"/>
-              <a:t>5/16/2024</a:t>
+              <a:t>7/9/2024</a:t>
             </a:fld>
             <a:endParaRPr lang="en-US"/>
           </a:p>
@@ -619,7 +619,7 @@
           <a:p>
             <a:fld id="{C19E4D85-2A27-41F7-B679-E0447CAF8200}" type="datetimeFigureOut">
               <a:rPr lang="en-US" smtClean="0"/>
-              <a:t>5/16/2024</a:t>
+              <a:t>7/9/2024</a:t>
             </a:fld>
             <a:endParaRPr lang="en-US"/>
           </a:p>
@@ -789,7 +789,7 @@
           <a:p>
             <a:fld id="{C19E4D85-2A27-41F7-B679-E0447CAF8200}" type="datetimeFigureOut">
               <a:rPr lang="en-US" smtClean="0"/>
-              <a:t>5/16/2024</a:t>
+              <a:t>7/9/2024</a:t>
             </a:fld>
             <a:endParaRPr lang="en-US"/>
           </a:p>
@@ -1035,7 +1035,7 @@
           <a:p>
             <a:fld id="{C19E4D85-2A27-41F7-B679-E0447CAF8200}" type="datetimeFigureOut">
               <a:rPr lang="en-US" smtClean="0"/>
-              <a:t>5/16/2024</a:t>
+              <a:t>7/9/2024</a:t>
             </a:fld>
             <a:endParaRPr lang="en-US"/>
           </a:p>
@@ -1267,7 +1267,7 @@
           <a:p>
             <a:fld id="{C19E4D85-2A27-41F7-B679-E0447CAF8200}" type="datetimeFigureOut">
               <a:rPr lang="en-US" smtClean="0"/>
-              <a:t>5/16/2024</a:t>
+              <a:t>7/9/2024</a:t>
             </a:fld>
             <a:endParaRPr lang="en-US"/>
           </a:p>
@@ -1634,7 +1634,7 @@
           <a:p>
             <a:fld id="{C19E4D85-2A27-41F7-B679-E0447CAF8200}" type="datetimeFigureOut">
               <a:rPr lang="en-US" smtClean="0"/>
-              <a:t>5/16/2024</a:t>
+              <a:t>7/9/2024</a:t>
             </a:fld>
             <a:endParaRPr lang="en-US"/>
           </a:p>
@@ -1752,7 +1752,7 @@
           <a:p>
             <a:fld id="{C19E4D85-2A27-41F7-B679-E0447CAF8200}" type="datetimeFigureOut">
               <a:rPr lang="en-US" smtClean="0"/>
-              <a:t>5/16/2024</a:t>
+              <a:t>7/9/2024</a:t>
             </a:fld>
             <a:endParaRPr lang="en-US"/>
           </a:p>
@@ -1847,7 +1847,7 @@
           <a:p>
             <a:fld id="{C19E4D85-2A27-41F7-B679-E0447CAF8200}" type="datetimeFigureOut">
               <a:rPr lang="en-US" smtClean="0"/>
-              <a:t>5/16/2024</a:t>
+              <a:t>7/9/2024</a:t>
             </a:fld>
             <a:endParaRPr lang="en-US"/>
           </a:p>
@@ -2124,7 +2124,7 @@
           <a:p>
             <a:fld id="{C19E4D85-2A27-41F7-B679-E0447CAF8200}" type="datetimeFigureOut">
               <a:rPr lang="en-US" smtClean="0"/>
-              <a:t>5/16/2024</a:t>
+              <a:t>7/9/2024</a:t>
             </a:fld>
             <a:endParaRPr lang="en-US"/>
           </a:p>
@@ -2377,7 +2377,7 @@
           <a:p>
             <a:fld id="{C19E4D85-2A27-41F7-B679-E0447CAF8200}" type="datetimeFigureOut">
               <a:rPr lang="en-US" smtClean="0"/>
-              <a:t>5/16/2024</a:t>
+              <a:t>7/9/2024</a:t>
             </a:fld>
             <a:endParaRPr lang="en-US"/>
           </a:p>
@@ -2590,7 +2590,7 @@
           <a:p>
             <a:fld id="{C19E4D85-2A27-41F7-B679-E0447CAF8200}" type="datetimeFigureOut">
               <a:rPr lang="en-US" smtClean="0"/>
-              <a:t>5/16/2024</a:t>
+              <a:t>7/9/2024</a:t>
             </a:fld>
             <a:endParaRPr lang="en-US"/>
           </a:p>
@@ -3139,47 +3139,6 @@
           </a:p>
         </p:txBody>
       </p:sp>
-      <p:sp>
-        <p:nvSpPr>
-          <p:cNvPr id="9" name="Rectángulo 8"/>
-          <p:cNvSpPr/>
-          <p:nvPr/>
-        </p:nvSpPr>
-        <p:spPr>
-          <a:xfrm>
-            <a:off x="9415325" y="143692"/>
-            <a:ext cx="2599508" cy="2913017"/>
-          </a:xfrm>
-          <a:prstGeom prst="rect">
-            <a:avLst/>
-          </a:prstGeom>
-          <a:noFill/>
-        </p:spPr>
-        <p:style>
-          <a:lnRef idx="2">
-            <a:schemeClr val="accent1">
-              <a:shade val="50000"/>
-            </a:schemeClr>
-          </a:lnRef>
-          <a:fillRef idx="1">
-            <a:schemeClr val="accent1"/>
-          </a:fillRef>
-          <a:effectRef idx="0">
-            <a:schemeClr val="accent1"/>
-          </a:effectRef>
-          <a:fontRef idx="minor">
-            <a:schemeClr val="lt1"/>
-          </a:fontRef>
-        </p:style>
-        <p:txBody>
-          <a:bodyPr rtlCol="0" anchor="ctr"/>
-          <a:lstStyle/>
-          <a:p>
-            <a:pPr algn="ctr"/>
-            <a:endParaRPr lang="en-US" dirty="0"/>
-          </a:p>
-        </p:txBody>
-      </p:sp>
       <p:cxnSp>
         <p:nvCxnSpPr>
           <p:cNvPr id="16" name="Conector recto 15"/>
@@ -3240,36 +3199,6 @@
           </a:fontRef>
         </p:style>
       </p:cxnSp>
-      <p:cxnSp>
-        <p:nvCxnSpPr>
-          <p:cNvPr id="18" name="Conector recto 17"/>
-          <p:cNvCxnSpPr/>
-          <p:nvPr/>
-        </p:nvCxnSpPr>
-        <p:spPr>
-          <a:xfrm flipH="1">
-            <a:off x="9415325" y="648788"/>
-            <a:ext cx="2599508" cy="13063"/>
-          </a:xfrm>
-          <a:prstGeom prst="line">
-            <a:avLst/>
-          </a:prstGeom>
-        </p:spPr>
-        <p:style>
-          <a:lnRef idx="1">
-            <a:schemeClr val="accent1"/>
-          </a:lnRef>
-          <a:fillRef idx="0">
-            <a:schemeClr val="accent1"/>
-          </a:fillRef>
-          <a:effectRef idx="0">
-            <a:schemeClr val="accent1"/>
-          </a:effectRef>
-          <a:fontRef idx="minor">
-            <a:schemeClr val="tx1"/>
-          </a:fontRef>
-        </p:style>
-      </p:cxnSp>
       <p:sp>
         <p:nvSpPr>
           <p:cNvPr id="19" name="Rectángulo 18"/>
@@ -3376,58 +3305,6 @@
       </p:sp>
       <p:sp>
         <p:nvSpPr>
-          <p:cNvPr id="22" name="Rectángulo 21"/>
-          <p:cNvSpPr/>
-          <p:nvPr/>
-        </p:nvSpPr>
-        <p:spPr>
-          <a:xfrm>
-            <a:off x="9679849" y="86974"/>
-            <a:ext cx="1970315" cy="553998"/>
-          </a:xfrm>
-          <a:prstGeom prst="rect">
-            <a:avLst/>
-          </a:prstGeom>
-          <a:noFill/>
-        </p:spPr>
-        <p:txBody>
-          <a:bodyPr wrap="square" lIns="91440" tIns="45720" rIns="91440" bIns="45720">
-            <a:spAutoFit/>
-          </a:bodyPr>
-          <a:lstStyle/>
-          <a:p>
-            <a:pPr algn="ctr"/>
-            <a:r>
-              <a:rPr lang="es-ES" sz="3000" dirty="0">
-                <a:ln w="0"/>
-                <a:effectLst>
-                  <a:outerShdw blurRad="38100" dist="19050" dir="2700000" algn="tl" rotWithShape="0">
-                    <a:schemeClr val="dk1">
-                      <a:alpha val="40000"/>
-                    </a:schemeClr>
-                  </a:outerShdw>
-                </a:effectLst>
-              </a:rPr>
-              <a:t>Productos</a:t>
-            </a:r>
-            <a:endParaRPr lang="es-ES" sz="3000" b="0" cap="none" spc="0" dirty="0">
-              <a:ln w="0"/>
-              <a:solidFill>
-                <a:schemeClr val="tx1"/>
-              </a:solidFill>
-              <a:effectLst>
-                <a:outerShdw blurRad="38100" dist="19050" dir="2700000" algn="tl" rotWithShape="0">
-                  <a:schemeClr val="dk1">
-                    <a:alpha val="40000"/>
-                  </a:schemeClr>
-                </a:outerShdw>
-              </a:effectLst>
-            </a:endParaRPr>
-          </a:p>
-        </p:txBody>
-      </p:sp>
-      <p:sp>
-        <p:nvSpPr>
           <p:cNvPr id="23" name="Rectángulo 22"/>
           <p:cNvSpPr/>
           <p:nvPr/>
@@ -3515,244 +3392,10 @@
       </p:sp>
       <p:sp>
         <p:nvSpPr>
-          <p:cNvPr id="24" name="Rectángulo 23"/>
-          <p:cNvSpPr/>
-          <p:nvPr/>
-        </p:nvSpPr>
-        <p:spPr>
-          <a:xfrm>
-            <a:off x="9628956" y="821344"/>
-            <a:ext cx="2172245" cy="2585323"/>
-          </a:xfrm>
-          <a:prstGeom prst="rect">
-            <a:avLst/>
-          </a:prstGeom>
-        </p:spPr>
-        <p:txBody>
-          <a:bodyPr wrap="square">
-            <a:spAutoFit/>
-          </a:bodyPr>
-          <a:lstStyle/>
-          <a:p>
-            <a:pPr algn="ctr"/>
-            <a:r>
-              <a:rPr lang="es-MX" dirty="0" err="1"/>
-              <a:t>Id_producto</a:t>
-            </a:r>
-            <a:endParaRPr lang="es-MX" dirty="0"/>
-          </a:p>
-          <a:p>
-            <a:pPr algn="ctr"/>
-            <a:r>
-              <a:rPr lang="es-MX" dirty="0" err="1"/>
-              <a:t>Nombre_producto</a:t>
-            </a:r>
-            <a:endParaRPr lang="es-MX" dirty="0"/>
-          </a:p>
-          <a:p>
-            <a:pPr algn="ctr"/>
-            <a:r>
-              <a:rPr lang="es-MX" dirty="0" err="1"/>
-              <a:t>Id_negocio</a:t>
-            </a:r>
-            <a:endParaRPr lang="es-MX" dirty="0"/>
-          </a:p>
-          <a:p>
-            <a:pPr algn="ctr"/>
-            <a:r>
-              <a:rPr lang="es-MX" dirty="0"/>
-              <a:t>Precio</a:t>
-            </a:r>
-          </a:p>
-          <a:p>
-            <a:pPr algn="ctr"/>
-            <a:r>
-              <a:rPr lang="es-MX" dirty="0"/>
-              <a:t>Ofertas</a:t>
-            </a:r>
-          </a:p>
-          <a:p>
-            <a:pPr algn="ctr"/>
-            <a:r>
-              <a:rPr lang="es-MX" dirty="0" err="1"/>
-              <a:t>Fecha_vencimiento</a:t>
-            </a:r>
-            <a:endParaRPr lang="es-MX" dirty="0"/>
-          </a:p>
-          <a:p>
-            <a:pPr algn="ctr"/>
-            <a:r>
-              <a:rPr lang="es-MX" dirty="0" err="1"/>
-              <a:t>Id_categoría</a:t>
-            </a:r>
-            <a:endParaRPr lang="es-MX" dirty="0"/>
-          </a:p>
-          <a:p>
-            <a:pPr algn="ctr"/>
-            <a:endParaRPr lang="es-MX" dirty="0"/>
-          </a:p>
-          <a:p>
-            <a:pPr algn="ctr"/>
-            <a:endParaRPr lang="es-MX" dirty="0"/>
-          </a:p>
-        </p:txBody>
-      </p:sp>
-      <p:sp>
-        <p:nvSpPr>
-          <p:cNvPr id="47" name="Rectángulo 46"/>
-          <p:cNvSpPr/>
-          <p:nvPr/>
-        </p:nvSpPr>
-        <p:spPr>
-          <a:xfrm>
-            <a:off x="6435635" y="3339618"/>
-            <a:ext cx="2599508" cy="2773799"/>
-          </a:xfrm>
-          <a:prstGeom prst="rect">
-            <a:avLst/>
-          </a:prstGeom>
-          <a:noFill/>
-        </p:spPr>
-        <p:style>
-          <a:lnRef idx="2">
-            <a:schemeClr val="accent1">
-              <a:shade val="50000"/>
-            </a:schemeClr>
-          </a:lnRef>
-          <a:fillRef idx="1">
-            <a:schemeClr val="accent1"/>
-          </a:fillRef>
-          <a:effectRef idx="0">
-            <a:schemeClr val="accent1"/>
-          </a:effectRef>
-          <a:fontRef idx="minor">
-            <a:schemeClr val="lt1"/>
-          </a:fontRef>
-        </p:style>
-        <p:txBody>
-          <a:bodyPr rtlCol="0" anchor="ctr"/>
-          <a:lstStyle/>
-          <a:p>
-            <a:pPr algn="ctr"/>
-            <a:endParaRPr lang="en-US" dirty="0">
-              <a:solidFill>
-                <a:schemeClr val="tx1"/>
-              </a:solidFill>
-            </a:endParaRPr>
-          </a:p>
-        </p:txBody>
-      </p:sp>
-      <p:cxnSp>
-        <p:nvCxnSpPr>
-          <p:cNvPr id="48" name="Conector recto 47"/>
-          <p:cNvCxnSpPr/>
-          <p:nvPr/>
-        </p:nvCxnSpPr>
-        <p:spPr>
-          <a:xfrm flipH="1">
-            <a:off x="6435635" y="3878995"/>
-            <a:ext cx="2599508" cy="13063"/>
-          </a:xfrm>
-          <a:prstGeom prst="line">
-            <a:avLst/>
-          </a:prstGeom>
-        </p:spPr>
-        <p:style>
-          <a:lnRef idx="1">
-            <a:schemeClr val="accent1"/>
-          </a:lnRef>
-          <a:fillRef idx="0">
-            <a:schemeClr val="accent1"/>
-          </a:fillRef>
-          <a:effectRef idx="0">
-            <a:schemeClr val="accent1"/>
-          </a:effectRef>
-          <a:fontRef idx="minor">
-            <a:schemeClr val="tx1"/>
-          </a:fontRef>
-        </p:style>
-      </p:cxnSp>
-      <p:sp>
-        <p:nvSpPr>
-          <p:cNvPr id="50" name="Rectángulo 49"/>
-          <p:cNvSpPr/>
-          <p:nvPr/>
-        </p:nvSpPr>
-        <p:spPr>
-          <a:xfrm>
-            <a:off x="9410154" y="3339618"/>
-            <a:ext cx="2599508" cy="2773799"/>
-          </a:xfrm>
-          <a:prstGeom prst="rect">
-            <a:avLst/>
-          </a:prstGeom>
-          <a:noFill/>
-        </p:spPr>
-        <p:style>
-          <a:lnRef idx="2">
-            <a:schemeClr val="accent1">
-              <a:shade val="50000"/>
-            </a:schemeClr>
-          </a:lnRef>
-          <a:fillRef idx="1">
-            <a:schemeClr val="accent1"/>
-          </a:fillRef>
-          <a:effectRef idx="0">
-            <a:schemeClr val="accent1"/>
-          </a:effectRef>
-          <a:fontRef idx="minor">
-            <a:schemeClr val="lt1"/>
-          </a:fontRef>
-        </p:style>
-        <p:txBody>
-          <a:bodyPr rtlCol="0" anchor="ctr"/>
-          <a:lstStyle/>
-          <a:p>
-            <a:pPr algn="ctr"/>
-            <a:endParaRPr lang="en-US" dirty="0">
-              <a:solidFill>
-                <a:schemeClr val="tx1"/>
-              </a:solidFill>
-            </a:endParaRPr>
-          </a:p>
-        </p:txBody>
-      </p:sp>
-      <p:cxnSp>
-        <p:nvCxnSpPr>
-          <p:cNvPr id="51" name="Conector recto 50"/>
-          <p:cNvCxnSpPr/>
-          <p:nvPr/>
-        </p:nvCxnSpPr>
-        <p:spPr>
-          <a:xfrm flipH="1">
-            <a:off x="9410154" y="3878995"/>
-            <a:ext cx="2599508" cy="13063"/>
-          </a:xfrm>
-          <a:prstGeom prst="line">
-            <a:avLst/>
-          </a:prstGeom>
-        </p:spPr>
-        <p:style>
-          <a:lnRef idx="1">
-            <a:schemeClr val="accent1"/>
-          </a:lnRef>
-          <a:fillRef idx="0">
-            <a:schemeClr val="accent1"/>
-          </a:fillRef>
-          <a:effectRef idx="0">
-            <a:schemeClr val="accent1"/>
-          </a:effectRef>
-          <a:fontRef idx="minor">
-            <a:schemeClr val="tx1"/>
-          </a:fontRef>
-        </p:style>
-      </p:cxnSp>
-      <p:sp>
-        <p:nvSpPr>
           <p:cNvPr id="26" name="Rectángulo 25">
             <a:extLst>
               <a:ext uri="{FF2B5EF4-FFF2-40B4-BE49-F238E27FC236}">
-                <a16:creationId xmlns:a16="http://schemas.microsoft.com/office/drawing/2014/main" id="{31B67C01-B751-4B0F-9965-A8082492B591}"/>
+                <a16:creationId xmlns:a16="http://schemas.microsoft.com/office/drawing/2014/main" xmlns="" id="{31B67C01-B751-4B0F-9965-A8082492B591}"/>
               </a:ext>
             </a:extLst>
           </p:cNvPr>
@@ -3803,7 +3446,7 @@
           <p:cNvPr id="27" name="Conector recto 26">
             <a:extLst>
               <a:ext uri="{FF2B5EF4-FFF2-40B4-BE49-F238E27FC236}">
-                <a16:creationId xmlns:a16="http://schemas.microsoft.com/office/drawing/2014/main" id="{486E6E11-457E-4C89-9977-724BC6937743}"/>
+                <a16:creationId xmlns:a16="http://schemas.microsoft.com/office/drawing/2014/main" xmlns="" id="{486E6E11-457E-4C89-9977-724BC6937743}"/>
               </a:ext>
             </a:extLst>
           </p:cNvPr>
@@ -3839,7 +3482,7 @@
           <p:cNvPr id="28" name="Rectángulo 27">
             <a:extLst>
               <a:ext uri="{FF2B5EF4-FFF2-40B4-BE49-F238E27FC236}">
-                <a16:creationId xmlns:a16="http://schemas.microsoft.com/office/drawing/2014/main" id="{E4DA12E4-C87C-4364-A356-F3D08A839160}"/>
+                <a16:creationId xmlns:a16="http://schemas.microsoft.com/office/drawing/2014/main" xmlns="" id="{E4DA12E4-C87C-4364-A356-F3D08A839160}"/>
               </a:ext>
             </a:extLst>
           </p:cNvPr>
@@ -3908,180 +3551,6 @@
           </a:p>
         </p:txBody>
       </p:sp>
-      <p:sp>
-        <p:nvSpPr>
-          <p:cNvPr id="32" name="Rectángulo 31">
-            <a:extLst>
-              <a:ext uri="{FF2B5EF4-FFF2-40B4-BE49-F238E27FC236}">
-                <a16:creationId xmlns:a16="http://schemas.microsoft.com/office/drawing/2014/main" id="{3B688F20-C124-49CD-B76F-5823A9E2BA44}"/>
-              </a:ext>
-            </a:extLst>
-          </p:cNvPr>
-          <p:cNvSpPr/>
-          <p:nvPr/>
-        </p:nvSpPr>
-        <p:spPr>
-          <a:xfrm>
-            <a:off x="182339" y="3429000"/>
-            <a:ext cx="2599508" cy="2773799"/>
-          </a:xfrm>
-          <a:prstGeom prst="rect">
-            <a:avLst/>
-          </a:prstGeom>
-          <a:noFill/>
-        </p:spPr>
-        <p:style>
-          <a:lnRef idx="2">
-            <a:schemeClr val="accent1">
-              <a:shade val="50000"/>
-            </a:schemeClr>
-          </a:lnRef>
-          <a:fillRef idx="1">
-            <a:schemeClr val="accent1"/>
-          </a:fillRef>
-          <a:effectRef idx="0">
-            <a:schemeClr val="accent1"/>
-          </a:effectRef>
-          <a:fontRef idx="minor">
-            <a:schemeClr val="lt1"/>
-          </a:fontRef>
-        </p:style>
-        <p:txBody>
-          <a:bodyPr rtlCol="0" anchor="ctr"/>
-          <a:lstStyle/>
-          <a:p>
-            <a:pPr algn="ctr"/>
-            <a:endParaRPr lang="en-US" dirty="0">
-              <a:solidFill>
-                <a:schemeClr val="tx1"/>
-              </a:solidFill>
-            </a:endParaRPr>
-          </a:p>
-        </p:txBody>
-      </p:sp>
-      <p:cxnSp>
-        <p:nvCxnSpPr>
-          <p:cNvPr id="33" name="Conector recto 32">
-            <a:extLst>
-              <a:ext uri="{FF2B5EF4-FFF2-40B4-BE49-F238E27FC236}">
-                <a16:creationId xmlns:a16="http://schemas.microsoft.com/office/drawing/2014/main" id="{E88E599B-C086-4D4C-889A-CD360DD2BA09}"/>
-              </a:ext>
-            </a:extLst>
-          </p:cNvPr>
-          <p:cNvCxnSpPr/>
-          <p:nvPr/>
-        </p:nvCxnSpPr>
-        <p:spPr>
-          <a:xfrm flipH="1">
-            <a:off x="182339" y="3968377"/>
-            <a:ext cx="2599508" cy="13063"/>
-          </a:xfrm>
-          <a:prstGeom prst="line">
-            <a:avLst/>
-          </a:prstGeom>
-        </p:spPr>
-        <p:style>
-          <a:lnRef idx="1">
-            <a:schemeClr val="accent1"/>
-          </a:lnRef>
-          <a:fillRef idx="0">
-            <a:schemeClr val="accent1"/>
-          </a:fillRef>
-          <a:effectRef idx="0">
-            <a:schemeClr val="accent1"/>
-          </a:effectRef>
-          <a:fontRef idx="minor">
-            <a:schemeClr val="tx1"/>
-          </a:fontRef>
-        </p:style>
-      </p:cxnSp>
-      <p:sp>
-        <p:nvSpPr>
-          <p:cNvPr id="34" name="Rectángulo 33">
-            <a:extLst>
-              <a:ext uri="{FF2B5EF4-FFF2-40B4-BE49-F238E27FC236}">
-                <a16:creationId xmlns:a16="http://schemas.microsoft.com/office/drawing/2014/main" id="{B4A85A59-70F9-4B25-BF8D-0A27C637B87A}"/>
-              </a:ext>
-            </a:extLst>
-          </p:cNvPr>
-          <p:cNvSpPr/>
-          <p:nvPr/>
-        </p:nvSpPr>
-        <p:spPr>
-          <a:xfrm>
-            <a:off x="3156858" y="3429000"/>
-            <a:ext cx="2599508" cy="2773799"/>
-          </a:xfrm>
-          <a:prstGeom prst="rect">
-            <a:avLst/>
-          </a:prstGeom>
-          <a:noFill/>
-        </p:spPr>
-        <p:style>
-          <a:lnRef idx="2">
-            <a:schemeClr val="accent1">
-              <a:shade val="50000"/>
-            </a:schemeClr>
-          </a:lnRef>
-          <a:fillRef idx="1">
-            <a:schemeClr val="accent1"/>
-          </a:fillRef>
-          <a:effectRef idx="0">
-            <a:schemeClr val="accent1"/>
-          </a:effectRef>
-          <a:fontRef idx="minor">
-            <a:schemeClr val="lt1"/>
-          </a:fontRef>
-        </p:style>
-        <p:txBody>
-          <a:bodyPr rtlCol="0" anchor="ctr"/>
-          <a:lstStyle/>
-          <a:p>
-            <a:pPr algn="ctr"/>
-            <a:endParaRPr lang="en-US" dirty="0">
-              <a:solidFill>
-                <a:schemeClr val="tx1"/>
-              </a:solidFill>
-            </a:endParaRPr>
-          </a:p>
-        </p:txBody>
-      </p:sp>
-      <p:cxnSp>
-        <p:nvCxnSpPr>
-          <p:cNvPr id="35" name="Conector recto 34">
-            <a:extLst>
-              <a:ext uri="{FF2B5EF4-FFF2-40B4-BE49-F238E27FC236}">
-                <a16:creationId xmlns:a16="http://schemas.microsoft.com/office/drawing/2014/main" id="{45FC9A31-C677-4BD1-9417-432C3428F42F}"/>
-              </a:ext>
-            </a:extLst>
-          </p:cNvPr>
-          <p:cNvCxnSpPr/>
-          <p:nvPr/>
-        </p:nvCxnSpPr>
-        <p:spPr>
-          <a:xfrm flipH="1">
-            <a:off x="3156858" y="3968377"/>
-            <a:ext cx="2599508" cy="13063"/>
-          </a:xfrm>
-          <a:prstGeom prst="line">
-            <a:avLst/>
-          </a:prstGeom>
-        </p:spPr>
-        <p:style>
-          <a:lnRef idx="1">
-            <a:schemeClr val="accent1"/>
-          </a:lnRef>
-          <a:fillRef idx="0">
-            <a:schemeClr val="accent1"/>
-          </a:fillRef>
-          <a:effectRef idx="0">
-            <a:schemeClr val="accent1"/>
-          </a:effectRef>
-          <a:fontRef idx="minor">
-            <a:schemeClr val="tx1"/>
-          </a:fontRef>
-        </p:style>
-      </p:cxnSp>
     </p:spTree>
     <p:extLst>
       <p:ext uri="{BB962C8B-B14F-4D97-AF65-F5344CB8AC3E}">
